--- a/A2/COMPSYS 303 A2 Presentation.pptx
+++ b/A2/COMPSYS 303 A2 Presentation.pptx
@@ -8,9 +8,10 @@
     <p:sldId id="256" r:id="rId2"/>
     <p:sldId id="257" r:id="rId3"/>
     <p:sldId id="258" r:id="rId4"/>
-    <p:sldId id="259" r:id="rId5"/>
-    <p:sldId id="260" r:id="rId6"/>
-    <p:sldId id="261" r:id="rId7"/>
+    <p:sldId id="262" r:id="rId5"/>
+    <p:sldId id="259" r:id="rId6"/>
+    <p:sldId id="260" r:id="rId7"/>
+    <p:sldId id="261" r:id="rId8"/>
   </p:sldIdLst>
   <p:sldSz cx="12192000" cy="6858000"/>
   <p:notesSz cx="6858000" cy="9144000"/>
@@ -109,6 +110,11 @@
       </a:defRPr>
     </a:lvl9pPr>
   </p:defaultTextStyle>
+  <p:extLst>
+    <p:ext uri="{EFAFB233-063F-42B5-8137-9DF3F51BA10A}">
+      <p15:sldGuideLst xmlns:p15="http://schemas.microsoft.com/office/powerpoint/2012/main"/>
+    </p:ext>
+  </p:extLst>
 </p:presentation>
 </file>
 
@@ -338,7 +344,7 @@
           <a:p>
             <a:fld id="{08E64B8D-D958-4A47-80C4-5FEA5BEB0A72}" type="datetimeFigureOut">
               <a:rPr lang="en-NZ" smtClean="0"/>
-              <a:t>23/09/2017</a:t>
+              <a:t>25/09/2017</a:t>
             </a:fld>
             <a:endParaRPr lang="en-NZ"/>
           </a:p>
@@ -546,7 +552,7 @@
           <a:p>
             <a:fld id="{08E64B8D-D958-4A47-80C4-5FEA5BEB0A72}" type="datetimeFigureOut">
               <a:rPr lang="en-NZ" smtClean="0"/>
-              <a:t>23/09/2017</a:t>
+              <a:t>25/09/2017</a:t>
             </a:fld>
             <a:endParaRPr lang="en-NZ"/>
           </a:p>
@@ -802,7 +808,7 @@
           <a:p>
             <a:fld id="{08E64B8D-D958-4A47-80C4-5FEA5BEB0A72}" type="datetimeFigureOut">
               <a:rPr lang="en-NZ" smtClean="0"/>
-              <a:t>23/09/2017</a:t>
+              <a:t>25/09/2017</a:t>
             </a:fld>
             <a:endParaRPr lang="en-NZ"/>
           </a:p>
@@ -976,7 +982,7 @@
           <a:p>
             <a:fld id="{08E64B8D-D958-4A47-80C4-5FEA5BEB0A72}" type="datetimeFigureOut">
               <a:rPr lang="en-NZ" smtClean="0"/>
-              <a:t>23/09/2017</a:t>
+              <a:t>25/09/2017</a:t>
             </a:fld>
             <a:endParaRPr lang="en-NZ"/>
           </a:p>
@@ -1319,7 +1325,7 @@
           <a:p>
             <a:fld id="{08E64B8D-D958-4A47-80C4-5FEA5BEB0A72}" type="datetimeFigureOut">
               <a:rPr lang="en-NZ" smtClean="0"/>
-              <a:t>23/09/2017</a:t>
+              <a:t>25/09/2017</a:t>
             </a:fld>
             <a:endParaRPr lang="en-NZ"/>
           </a:p>
@@ -1594,7 +1600,7 @@
           <a:p>
             <a:fld id="{08E64B8D-D958-4A47-80C4-5FEA5BEB0A72}" type="datetimeFigureOut">
               <a:rPr lang="en-NZ" smtClean="0"/>
-              <a:t>23/09/2017</a:t>
+              <a:t>25/09/2017</a:t>
             </a:fld>
             <a:endParaRPr lang="en-NZ"/>
           </a:p>
@@ -1973,7 +1979,7 @@
           <a:p>
             <a:fld id="{08E64B8D-D958-4A47-80C4-5FEA5BEB0A72}" type="datetimeFigureOut">
               <a:rPr lang="en-NZ" smtClean="0"/>
-              <a:t>23/09/2017</a:t>
+              <a:t>25/09/2017</a:t>
             </a:fld>
             <a:endParaRPr lang="en-NZ"/>
           </a:p>
@@ -2091,7 +2097,7 @@
           <a:p>
             <a:fld id="{08E64B8D-D958-4A47-80C4-5FEA5BEB0A72}" type="datetimeFigureOut">
               <a:rPr lang="en-NZ" smtClean="0"/>
-              <a:t>23/09/2017</a:t>
+              <a:t>25/09/2017</a:t>
             </a:fld>
             <a:endParaRPr lang="en-NZ"/>
           </a:p>
@@ -2262,7 +2268,7 @@
           <a:p>
             <a:fld id="{08E64B8D-D958-4A47-80C4-5FEA5BEB0A72}" type="datetimeFigureOut">
               <a:rPr lang="en-NZ" smtClean="0"/>
-              <a:t>23/09/2017</a:t>
+              <a:t>25/09/2017</a:t>
             </a:fld>
             <a:endParaRPr lang="en-NZ"/>
           </a:p>
@@ -2616,7 +2622,7 @@
           <a:p>
             <a:fld id="{08E64B8D-D958-4A47-80C4-5FEA5BEB0A72}" type="datetimeFigureOut">
               <a:rPr lang="en-NZ" smtClean="0"/>
-              <a:t>23/09/2017</a:t>
+              <a:t>25/09/2017</a:t>
             </a:fld>
             <a:endParaRPr lang="en-NZ"/>
           </a:p>
@@ -2998,7 +3004,7 @@
           <a:p>
             <a:fld id="{08E64B8D-D958-4A47-80C4-5FEA5BEB0A72}" type="datetimeFigureOut">
               <a:rPr lang="en-NZ" smtClean="0"/>
-              <a:t>23/09/2017</a:t>
+              <a:t>25/09/2017</a:t>
             </a:fld>
             <a:endParaRPr lang="en-NZ"/>
           </a:p>
@@ -3285,7 +3291,7 @@
           <a:p>
             <a:fld id="{08E64B8D-D958-4A47-80C4-5FEA5BEB0A72}" type="datetimeFigureOut">
               <a:rPr lang="en-NZ" smtClean="0"/>
-              <a:t>23/09/2017</a:t>
+              <a:t>25/09/2017</a:t>
             </a:fld>
             <a:endParaRPr lang="en-NZ"/>
           </a:p>
@@ -3953,7 +3959,37 @@
             <a:pPr lvl="1"/>
             <a:r>
               <a:rPr lang="en-NZ" dirty="0"/>
-              <a:t>Pacing occurs during all operation times</a:t>
+              <a:t>Support both Triggered and Inhibited pacing</a:t>
+            </a:r>
+          </a:p>
+          <a:p>
+            <a:pPr marL="201168" lvl="1" indent="0">
+              <a:buNone/>
+            </a:pPr>
+            <a:endParaRPr lang="en-NZ" dirty="0"/>
+          </a:p>
+          <a:p>
+            <a:pPr marL="292608" lvl="1">
+              <a:buNone/>
+            </a:pPr>
+            <a:r>
+              <a:rPr lang="en-NZ" dirty="0" err="1"/>
+              <a:t>SCCharts</a:t>
+            </a:r>
+            <a:endParaRPr lang="en-NZ" dirty="0"/>
+          </a:p>
+          <a:p>
+            <a:pPr lvl="1"/>
+            <a:r>
+              <a:rPr lang="en-NZ" dirty="0"/>
+              <a:t>Synchronous state chart software</a:t>
+            </a:r>
+          </a:p>
+          <a:p>
+            <a:pPr lvl="1"/>
+            <a:r>
+              <a:rPr lang="en-NZ" dirty="0"/>
+              <a:t>Simplifies development of complex concurrent systems </a:t>
             </a:r>
           </a:p>
           <a:p>
@@ -3966,39 +4002,11 @@
             </a:pPr>
             <a:r>
               <a:rPr lang="en-NZ" dirty="0" err="1"/>
-              <a:t>SCCharts</a:t>
-            </a:r>
-            <a:endParaRPr lang="en-NZ" dirty="0"/>
-          </a:p>
-          <a:p>
-            <a:pPr lvl="1"/>
+              <a:t>Nios</a:t>
+            </a:r>
             <a:r>
               <a:rPr lang="en-NZ" dirty="0"/>
-              <a:t>Synchronous state chart software</a:t>
-            </a:r>
-          </a:p>
-          <a:p>
-            <a:pPr lvl="1"/>
-            <a:r>
-              <a:rPr lang="en-NZ" dirty="0"/>
-              <a:t>Simplifies development of complex systems </a:t>
-            </a:r>
-          </a:p>
-          <a:p>
-            <a:pPr lvl="1"/>
-            <a:endParaRPr lang="en-NZ" dirty="0"/>
-          </a:p>
-          <a:p>
-            <a:pPr marL="292608" lvl="1">
-              <a:buNone/>
-            </a:pPr>
-            <a:r>
-              <a:rPr lang="en-NZ" dirty="0" err="1"/>
-              <a:t>Nios</a:t>
-            </a:r>
-            <a:r>
-              <a:rPr lang="en-NZ" dirty="0"/>
-              <a:t> II</a:t>
+              <a:t> II Processor</a:t>
             </a:r>
           </a:p>
           <a:p>
@@ -4012,7 +4020,7 @@
             <a:pPr lvl="1"/>
             <a:r>
               <a:rPr lang="en-NZ" dirty="0"/>
-              <a:t>Processor programmed onto FPGA device</a:t>
+              <a:t>The Processor is programmed onto FPGA device</a:t>
             </a:r>
           </a:p>
           <a:p>
@@ -4110,7 +4118,7 @@
             <a:pPr lvl="1"/>
             <a:r>
               <a:rPr lang="en-NZ" dirty="0"/>
-              <a:t>Each timer represented by two states in </a:t>
+              <a:t>Each timer represented by two regions in </a:t>
             </a:r>
             <a:r>
               <a:rPr lang="en-NZ" dirty="0" err="1"/>
@@ -4149,7 +4157,7 @@
             <a:pPr lvl="1"/>
             <a:r>
               <a:rPr lang="en-NZ" dirty="0"/>
-              <a:t>Additional state charts synchronise timers to timing diagram</a:t>
+              <a:t>Additional state charts synchronise timers to get DDD timing diagram</a:t>
             </a:r>
           </a:p>
           <a:p>
@@ -4234,14 +4242,7 @@
           <a:bodyPr/>
           <a:lstStyle/>
           <a:p>
-            <a:r>
-              <a:rPr lang="en-NZ" dirty="0" err="1"/>
-              <a:t>SCCharts</a:t>
-            </a:r>
-            <a:r>
-              <a:rPr lang="en-NZ" dirty="0"/>
-              <a:t> Features</a:t>
-            </a:r>
+            <a:endParaRPr lang="en-NZ" dirty="0"/>
           </a:p>
         </p:txBody>
       </p:sp>
@@ -4260,29 +4261,37 @@
           <a:bodyPr/>
           <a:lstStyle/>
           <a:p>
-            <a:r>
-              <a:rPr lang="en-NZ" dirty="0"/>
-              <a:t>State charts are developed through writing statements</a:t>
-            </a:r>
-          </a:p>
-          <a:p>
-            <a:r>
-              <a:rPr lang="en-NZ" dirty="0"/>
-              <a:t>Graphical diagrams are generated automatically</a:t>
-            </a:r>
-          </a:p>
-          <a:p>
-            <a:r>
-              <a:rPr lang="en-NZ" dirty="0"/>
-              <a:t>Can then compile into C code</a:t>
-            </a:r>
-          </a:p>
-        </p:txBody>
-      </p:sp>
+            <a:endParaRPr lang="en-NZ" dirty="0"/>
+          </a:p>
+        </p:txBody>
+      </p:sp>
+      <p:pic>
+        <p:nvPicPr>
+          <p:cNvPr id="4" name="Picture 3"/>
+          <p:cNvPicPr>
+            <a:picLocks noChangeAspect="1"/>
+          </p:cNvPicPr>
+          <p:nvPr/>
+        </p:nvPicPr>
+        <p:blipFill rotWithShape="1">
+          <a:blip r:embed="rId2"/>
+          <a:srcRect l="2193" t="1423" r="4220" b="3111"/>
+          <a:stretch/>
+        </p:blipFill>
+        <p:spPr>
+          <a:xfrm>
+            <a:off x="950977" y="0"/>
+            <a:ext cx="9997440" cy="6858000"/>
+          </a:xfrm>
+          <a:prstGeom prst="rect">
+            <a:avLst/>
+          </a:prstGeom>
+        </p:spPr>
+      </p:pic>
     </p:spTree>
     <p:extLst>
       <p:ext uri="{BB962C8B-B14F-4D97-AF65-F5344CB8AC3E}">
-        <p14:creationId xmlns:p14="http://schemas.microsoft.com/office/powerpoint/2010/main" val="280787837"/>
+        <p14:creationId xmlns:p14="http://schemas.microsoft.com/office/powerpoint/2010/main" val="3571469719"/>
       </p:ext>
     </p:extLst>
   </p:cSld>
@@ -4325,6 +4334,96 @@
           <a:lstStyle/>
           <a:p>
             <a:r>
+              <a:rPr lang="en-NZ" dirty="0" err="1"/>
+              <a:t>SCCharts</a:t>
+            </a:r>
+            <a:r>
+              <a:rPr lang="en-NZ" dirty="0"/>
+              <a:t> Features</a:t>
+            </a:r>
+          </a:p>
+        </p:txBody>
+      </p:sp>
+      <p:sp>
+        <p:nvSpPr>
+          <p:cNvPr id="3" name="Content Placeholder 2"/>
+          <p:cNvSpPr>
+            <a:spLocks noGrp="1"/>
+          </p:cNvSpPr>
+          <p:nvPr>
+            <p:ph idx="1"/>
+          </p:nvPr>
+        </p:nvSpPr>
+        <p:spPr/>
+        <p:txBody>
+          <a:bodyPr/>
+          <a:lstStyle/>
+          <a:p>
+            <a:r>
+              <a:rPr lang="en-NZ" dirty="0"/>
+              <a:t>State charts are developed through writing statements</a:t>
+            </a:r>
+          </a:p>
+          <a:p>
+            <a:r>
+              <a:rPr lang="en-NZ" dirty="0"/>
+              <a:t>Graphical diagrams are generated automatically</a:t>
+            </a:r>
+          </a:p>
+          <a:p>
+            <a:r>
+              <a:rPr lang="en-NZ" dirty="0"/>
+              <a:t>Can then compile into C code</a:t>
+            </a:r>
+          </a:p>
+        </p:txBody>
+      </p:sp>
+    </p:spTree>
+    <p:extLst>
+      <p:ext uri="{BB962C8B-B14F-4D97-AF65-F5344CB8AC3E}">
+        <p14:creationId xmlns:p14="http://schemas.microsoft.com/office/powerpoint/2010/main" val="280787837"/>
+      </p:ext>
+    </p:extLst>
+  </p:cSld>
+  <p:clrMapOvr>
+    <a:masterClrMapping/>
+  </p:clrMapOvr>
+</p:sld>
+</file>
+
+<file path=ppt/slides/slide6.xml><?xml version="1.0" encoding="utf-8"?>
+<p:sld xmlns:a="http://schemas.openxmlformats.org/drawingml/2006/main" xmlns:r="http://schemas.openxmlformats.org/officeDocument/2006/relationships" xmlns:p="http://schemas.openxmlformats.org/presentationml/2006/main">
+  <p:cSld>
+    <p:spTree>
+      <p:nvGrpSpPr>
+        <p:cNvPr id="1" name=""/>
+        <p:cNvGrpSpPr/>
+        <p:nvPr/>
+      </p:nvGrpSpPr>
+      <p:grpSpPr>
+        <a:xfrm>
+          <a:off x="0" y="0"/>
+          <a:ext cx="0" cy="0"/>
+          <a:chOff x="0" y="0"/>
+          <a:chExt cx="0" cy="0"/>
+        </a:xfrm>
+      </p:grpSpPr>
+      <p:sp>
+        <p:nvSpPr>
+          <p:cNvPr id="2" name="Title 1"/>
+          <p:cNvSpPr>
+            <a:spLocks noGrp="1"/>
+          </p:cNvSpPr>
+          <p:nvPr>
+            <p:ph type="title"/>
+          </p:nvPr>
+        </p:nvSpPr>
+        <p:spPr/>
+        <p:txBody>
+          <a:bodyPr/>
+          <a:lstStyle/>
+          <a:p>
+            <a:r>
               <a:rPr lang="en-NZ" dirty="0"/>
               <a:t>Altera </a:t>
             </a:r>
@@ -4453,7 +4552,7 @@
 </p:sld>
 </file>
 
-<file path=ppt/slides/slide6.xml><?xml version="1.0" encoding="utf-8"?>
+<file path=ppt/slides/slide7.xml><?xml version="1.0" encoding="utf-8"?>
 <p:sld xmlns:a="http://schemas.openxmlformats.org/drawingml/2006/main" xmlns:r="http://schemas.openxmlformats.org/officeDocument/2006/relationships" xmlns:p="http://schemas.openxmlformats.org/presentationml/2006/main">
   <p:cSld>
     <p:spTree>

--- a/A2/COMPSYS 303 A2 Presentation.pptx
+++ b/A2/COMPSYS 303 A2 Presentation.pptx
@@ -4111,7 +4111,7 @@
             <a:pPr lvl="1"/>
             <a:r>
               <a:rPr lang="en-NZ" dirty="0"/>
-              <a:t>Six intervals measured with timers</a:t>
+              <a:t>Operation achieved using 6 timers, perform certain actions when they expire. </a:t>
             </a:r>
           </a:p>
           <a:p>
@@ -4227,44 +4227,6 @@
           <a:chExt cx="0" cy="0"/>
         </a:xfrm>
       </p:grpSpPr>
-      <p:sp>
-        <p:nvSpPr>
-          <p:cNvPr id="2" name="Title 1"/>
-          <p:cNvSpPr>
-            <a:spLocks noGrp="1"/>
-          </p:cNvSpPr>
-          <p:nvPr>
-            <p:ph type="title"/>
-          </p:nvPr>
-        </p:nvSpPr>
-        <p:spPr/>
-        <p:txBody>
-          <a:bodyPr/>
-          <a:lstStyle/>
-          <a:p>
-            <a:endParaRPr lang="en-NZ" dirty="0"/>
-          </a:p>
-        </p:txBody>
-      </p:sp>
-      <p:sp>
-        <p:nvSpPr>
-          <p:cNvPr id="3" name="Content Placeholder 2"/>
-          <p:cNvSpPr>
-            <a:spLocks noGrp="1"/>
-          </p:cNvSpPr>
-          <p:nvPr>
-            <p:ph idx="1"/>
-          </p:nvPr>
-        </p:nvSpPr>
-        <p:spPr/>
-        <p:txBody>
-          <a:bodyPr/>
-          <a:lstStyle/>
-          <a:p>
-            <a:endParaRPr lang="en-NZ" dirty="0"/>
-          </a:p>
-        </p:txBody>
-      </p:sp>
       <p:pic>
         <p:nvPicPr>
           <p:cNvPr id="4" name="Picture 3"/>
@@ -4280,8 +4242,8 @@
         </p:blipFill>
         <p:spPr>
           <a:xfrm>
-            <a:off x="950977" y="0"/>
-            <a:ext cx="9997440" cy="6858000"/>
+            <a:off x="1800665" y="0"/>
+            <a:ext cx="8640689" cy="6858000"/>
           </a:xfrm>
           <a:prstGeom prst="rect">
             <a:avLst/>
@@ -4360,9 +4322,24 @@
           <a:lstStyle/>
           <a:p>
             <a:r>
-              <a:rPr lang="en-NZ" dirty="0"/>
-              <a:t>State charts are developed through writing statements</a:t>
-            </a:r>
+              <a:rPr lang="en-NZ" dirty="0" smtClean="0"/>
+              <a:t>Concurrent state </a:t>
+            </a:r>
+            <a:r>
+              <a:rPr lang="en-NZ" dirty="0"/>
+              <a:t>charts are developed through writing </a:t>
+            </a:r>
+            <a:r>
+              <a:rPr lang="en-NZ" dirty="0" smtClean="0"/>
+              <a:t>statements</a:t>
+            </a:r>
+          </a:p>
+          <a:p>
+            <a:r>
+              <a:rPr lang="en-NZ" dirty="0" smtClean="0"/>
+              <a:t>States, transitions, connector states</a:t>
+            </a:r>
+            <a:endParaRPr lang="en-NZ" dirty="0"/>
           </a:p>
           <a:p>
             <a:r>
@@ -4482,12 +4459,8 @@
           <a:p>
             <a:pPr lvl="1"/>
             <a:r>
-              <a:rPr lang="en-NZ" dirty="0" err="1"/>
-              <a:t>Debounce</a:t>
-            </a:r>
-            <a:r>
-              <a:rPr lang="en-NZ" dirty="0"/>
-              <a:t> timers for LEDs and buttons</a:t>
+              <a:rPr lang="en-NZ" dirty="0"/>
+              <a:t>Debounce timers for LEDs and buttons</a:t>
             </a:r>
           </a:p>
           <a:p>
@@ -4676,8 +4649,17 @@
             <a:pPr lvl="1"/>
             <a:r>
               <a:rPr lang="en-NZ" dirty="0"/>
-              <a:t>Timeout flags for timers</a:t>
-            </a:r>
+              <a:t>Timeout flags </a:t>
+            </a:r>
+            <a:r>
+              <a:rPr lang="en-NZ"/>
+              <a:t>for </a:t>
+            </a:r>
+            <a:r>
+              <a:rPr lang="en-NZ" smtClean="0"/>
+              <a:t>timers</a:t>
+            </a:r>
+            <a:endParaRPr lang="en-NZ" dirty="0"/>
           </a:p>
           <a:p>
             <a:pPr marL="201168" lvl="1" indent="0">
